--- a/slides/07-data-humanism.pptx
+++ b/slides/07-data-humanism.pptx
@@ -208,7 +208,7 @@
           <a:p>
             <a:fld id="{3CBB8A52-8AC5-C74C-97FB-632C448F3674}" type="datetimeFigureOut">
               <a:rPr lang="en-US" smtClean="0"/>
-              <a:t>10/10/24</a:t>
+              <a:t>2/24/25</a:t>
             </a:fld>
             <a:endParaRPr lang="en-US"/>
           </a:p>
@@ -931,21 +931,7 @@
                 <a:effectLst/>
                 <a:latin typeface="europa"/>
               </a:rPr>
-              <a:t>Complexity is an inherent feature of our existence — the world is rich in information that can be combined in endless ways. Creating new points of view or uncovering something new typically cannot happen at a mere </a:t>
-            </a:r>
-            <a:r>
-              <a:rPr lang="en-US" b="0" i="0" dirty="0" err="1">
-                <a:effectLst/>
-                <a:latin typeface="europa"/>
-              </a:rPr>
-              <a:t>glance;this</a:t>
-            </a:r>
-            <a:r>
-              <a:rPr lang="en-US" b="0" i="0" dirty="0">
-                <a:effectLst/>
-                <a:latin typeface="europa"/>
-              </a:rPr>
-              <a:t> process of revelation often needs and requires an in-depth investigation of the context.</a:t>
+              <a:t>Complexity is an inherent feature of our existence — the world is rich in information that can be combined in endless ways. Creating new points of view or uncovering something new typically cannot happen at a mere glance; this process of revelation often needs and requires an in-depth investigation of the context.</a:t>
             </a:r>
           </a:p>
           <a:p>
@@ -2006,7 +1992,7 @@
             <a:fld id="{5586B75A-687E-405C-8A0B-8D00578BA2C3}" type="datetimeFigureOut">
               <a:rPr lang="en-US" smtClean="0"/>
               <a:pPr/>
-              <a:t>10/10/24</a:t>
+              <a:t>2/24/25</a:t>
             </a:fld>
             <a:endParaRPr lang="en-US" dirty="0"/>
           </a:p>
@@ -2178,7 +2164,7 @@
             <a:fld id="{5586B75A-687E-405C-8A0B-8D00578BA2C3}" type="datetimeFigureOut">
               <a:rPr lang="en-US" smtClean="0"/>
               <a:pPr/>
-              <a:t>10/10/24</a:t>
+              <a:t>2/24/25</a:t>
             </a:fld>
             <a:endParaRPr lang="en-US" dirty="0"/>
           </a:p>
@@ -2360,7 +2346,7 @@
             <a:fld id="{5586B75A-687E-405C-8A0B-8D00578BA2C3}" type="datetimeFigureOut">
               <a:rPr lang="en-US" smtClean="0"/>
               <a:pPr/>
-              <a:t>10/10/24</a:t>
+              <a:t>2/24/25</a:t>
             </a:fld>
             <a:endParaRPr lang="en-US" dirty="0"/>
           </a:p>
@@ -2532,7 +2518,7 @@
             <a:fld id="{5586B75A-687E-405C-8A0B-8D00578BA2C3}" type="datetimeFigureOut">
               <a:rPr lang="en-US" smtClean="0"/>
               <a:pPr/>
-              <a:t>10/10/24</a:t>
+              <a:t>2/24/25</a:t>
             </a:fld>
             <a:endParaRPr lang="en-US" dirty="0"/>
           </a:p>
@@ -2788,7 +2774,7 @@
             <a:fld id="{5586B75A-687E-405C-8A0B-8D00578BA2C3}" type="datetimeFigureOut">
               <a:rPr lang="en-US" smtClean="0"/>
               <a:pPr/>
-              <a:t>10/10/24</a:t>
+              <a:t>2/24/25</a:t>
             </a:fld>
             <a:endParaRPr lang="en-US" dirty="0"/>
           </a:p>
@@ -3078,7 +3064,7 @@
             <a:fld id="{5586B75A-687E-405C-8A0B-8D00578BA2C3}" type="datetimeFigureOut">
               <a:rPr lang="en-US" smtClean="0"/>
               <a:pPr/>
-              <a:t>10/10/24</a:t>
+              <a:t>2/24/25</a:t>
             </a:fld>
             <a:endParaRPr lang="en-US" dirty="0"/>
           </a:p>
@@ -3522,7 +3508,7 @@
             <a:fld id="{5586B75A-687E-405C-8A0B-8D00578BA2C3}" type="datetimeFigureOut">
               <a:rPr lang="en-US" smtClean="0"/>
               <a:pPr/>
-              <a:t>10/10/24</a:t>
+              <a:t>2/24/25</a:t>
             </a:fld>
             <a:endParaRPr lang="en-US" dirty="0"/>
           </a:p>
@@ -3642,7 +3628,7 @@
             <a:fld id="{5586B75A-687E-405C-8A0B-8D00578BA2C3}" type="datetimeFigureOut">
               <a:rPr lang="en-US" smtClean="0"/>
               <a:pPr/>
-              <a:t>10/10/24</a:t>
+              <a:t>2/24/25</a:t>
             </a:fld>
             <a:endParaRPr lang="en-US" dirty="0"/>
           </a:p>
@@ -3739,7 +3725,7 @@
             <a:fld id="{5586B75A-687E-405C-8A0B-8D00578BA2C3}" type="datetimeFigureOut">
               <a:rPr lang="en-US" smtClean="0"/>
               <a:pPr/>
-              <a:t>10/10/24</a:t>
+              <a:t>2/24/25</a:t>
             </a:fld>
             <a:endParaRPr lang="en-US" dirty="0"/>
           </a:p>
@@ -4029,7 +4015,7 @@
             <a:fld id="{5586B75A-687E-405C-8A0B-8D00578BA2C3}" type="datetimeFigureOut">
               <a:rPr lang="en-US" smtClean="0"/>
               <a:pPr/>
-              <a:t>10/10/24</a:t>
+              <a:t>2/24/25</a:t>
             </a:fld>
             <a:endParaRPr lang="en-US" dirty="0"/>
           </a:p>
@@ -4304,7 +4290,7 @@
             <a:fld id="{5586B75A-687E-405C-8A0B-8D00578BA2C3}" type="datetimeFigureOut">
               <a:rPr lang="en-US" smtClean="0"/>
               <a:pPr/>
-              <a:t>10/10/24</a:t>
+              <a:t>2/24/25</a:t>
             </a:fld>
             <a:endParaRPr lang="en-US" dirty="0"/>
           </a:p>
@@ -4603,7 +4589,7 @@
             <a:fld id="{5586B75A-687E-405C-8A0B-8D00578BA2C3}" type="datetimeFigureOut">
               <a:rPr lang="en-US" smtClean="0"/>
               <a:pPr/>
-              <a:t>10/10/24</a:t>
+              <a:t>2/24/25</a:t>
             </a:fld>
             <a:endParaRPr lang="en-US" dirty="0"/>
           </a:p>
@@ -6069,84 +6055,17 @@
                   <a:noFill/>
                 </a:ln>
                 <a:effectLst/>
+                <a:highlight>
+                  <a:srgbClr val="FFFF00"/>
+                </a:highlight>
                 <a:uLnTx/>
                 <a:uFillTx/>
                 <a:ea typeface="Arial"/>
                 <a:cs typeface="Arial"/>
                 <a:sym typeface="Arial"/>
               </a:rPr>
-              <a:t>I will be here next Thursday, but class time will still be saved for project ideation  </a:t>
-            </a:r>
-          </a:p>
-          <a:p>
-            <a:pPr lvl="1">
-              <a:lnSpc>
-                <a:spcPct val="100000"/>
-              </a:lnSpc>
-              <a:spcBef>
-                <a:spcPts val="0"/>
-              </a:spcBef>
-              <a:spcAft>
-                <a:spcPts val="0"/>
-              </a:spcAft>
-              <a:buClr>
-                <a:srgbClr val="93A299"/>
-              </a:buClr>
-              <a:buSzPts val="2040"/>
-              <a:buFont typeface="Arial"/>
-              <a:buChar char="•"/>
-              <a:defRPr/>
-            </a:pPr>
-            <a:endParaRPr kumimoji="0" lang="en-US" sz="2200" b="0" i="0" u="none" strike="noStrike" kern="0" cap="none" spc="0" normalizeH="0" baseline="0" noProof="0" dirty="0">
-              <a:ln>
-                <a:noFill/>
-              </a:ln>
-              <a:effectLst/>
-              <a:uLnTx/>
-              <a:uFillTx/>
-              <a:ea typeface="Arial"/>
-              <a:cs typeface="Arial"/>
-              <a:sym typeface="Arial"/>
-            </a:endParaRPr>
-          </a:p>
-          <a:p>
-            <a:pPr lvl="1">
-              <a:lnSpc>
-                <a:spcPct val="100000"/>
-              </a:lnSpc>
-              <a:spcBef>
-                <a:spcPts val="0"/>
-              </a:spcBef>
-              <a:spcAft>
-                <a:spcPts val="0"/>
-              </a:spcAft>
-              <a:buClr>
-                <a:srgbClr val="93A299"/>
-              </a:buClr>
-              <a:buSzPts val="2040"/>
-              <a:buFont typeface="Arial"/>
-              <a:buChar char="•"/>
-              <a:defRPr/>
-            </a:pPr>
-            <a:r>
-              <a:rPr lang="en-US" sz="2200" kern="0" dirty="0">
-                <a:ea typeface="Arial"/>
-                <a:cs typeface="Arial"/>
-                <a:sym typeface="Arial"/>
-              </a:rPr>
-              <a:t>I recommend reading the instructions for the project before class! </a:t>
-            </a:r>
-            <a:endParaRPr kumimoji="0" lang="en-US" sz="2200" b="0" i="0" u="none" strike="noStrike" kern="0" cap="none" spc="0" normalizeH="0" baseline="0" noProof="0" dirty="0">
-              <a:ln>
-                <a:noFill/>
-              </a:ln>
-              <a:effectLst/>
-              <a:uLnTx/>
-              <a:uFillTx/>
-              <a:ea typeface="Arial"/>
-              <a:cs typeface="Arial"/>
-              <a:sym typeface="Arial"/>
-            </a:endParaRPr>
+              <a:t>Please read the project instructions in full before next class</a:t>
+            </a:r>
           </a:p>
         </p:txBody>
       </p:sp>
@@ -6762,7 +6681,7 @@
               <a:defRPr/>
             </a:pPr>
             <a:r>
-              <a:rPr lang="en-US" sz="2000" strike="sngStrike" kern="0" dirty="0">
+              <a:rPr lang="en-US" sz="2000" kern="0" dirty="0">
                 <a:ea typeface="Arial"/>
                 <a:cs typeface="Arial"/>
                 <a:sym typeface="Arial"/>
@@ -6790,7 +6709,7 @@
               <a:defRPr/>
             </a:pPr>
             <a:r>
-              <a:rPr kumimoji="0" lang="en-US" sz="2000" b="0" i="0" u="none" strike="sngStrike" kern="0" cap="none" spc="0" normalizeH="0" baseline="0" noProof="0" dirty="0" err="1">
+              <a:rPr kumimoji="0" lang="en-US" sz="2000" b="0" i="0" u="none" kern="0" cap="none" spc="0" normalizeH="0" baseline="0" noProof="0" dirty="0" err="1">
                 <a:ln>
                   <a:noFill/>
                 </a:ln>
@@ -6803,7 +6722,7 @@
               </a:rPr>
               <a:t>Mindworks</a:t>
             </a:r>
-            <a:endParaRPr kumimoji="0" lang="en-US" sz="2000" b="0" i="0" u="none" strike="sngStrike" kern="0" cap="none" spc="0" normalizeH="0" baseline="0" noProof="0" dirty="0">
+            <a:endParaRPr kumimoji="0" lang="en-US" sz="2000" b="0" i="0" u="none" kern="0" cap="none" spc="0" normalizeH="0" baseline="0" noProof="0" dirty="0">
               <a:ln>
                 <a:noFill/>
               </a:ln>
@@ -6835,7 +6754,7 @@
               <a:defRPr/>
             </a:pPr>
             <a:r>
-              <a:rPr kumimoji="0" lang="en-US" sz="2000" b="0" i="0" u="none" strike="sngStrike" kern="0" cap="none" spc="0" normalizeH="0" baseline="0" noProof="0" dirty="0">
+              <a:rPr kumimoji="0" lang="en-US" sz="2000" b="0" i="0" u="none" kern="0" cap="none" spc="0" normalizeH="0" baseline="0" noProof="0" dirty="0">
                 <a:ln>
                   <a:noFill/>
                 </a:ln>
@@ -6869,7 +6788,7 @@
               <a:defRPr/>
             </a:pPr>
             <a:r>
-              <a:rPr kumimoji="0" lang="en-US" sz="2000" b="0" i="0" u="none" strike="sngStrike" kern="0" cap="none" spc="0" normalizeH="0" baseline="0" noProof="0" dirty="0">
+              <a:rPr kumimoji="0" lang="en-US" sz="2000" b="0" i="0" u="none" kern="0" cap="none" spc="0" normalizeH="0" baseline="0" noProof="0" dirty="0">
                 <a:ln>
                   <a:noFill/>
                 </a:ln>
@@ -6903,7 +6822,7 @@
               <a:defRPr/>
             </a:pPr>
             <a:r>
-              <a:rPr lang="en-US" sz="2000" strike="sngStrike" kern="0" dirty="0">
+              <a:rPr lang="en-US" sz="2000" kern="0" dirty="0">
                 <a:ea typeface="Arial"/>
                 <a:cs typeface="Arial"/>
                 <a:sym typeface="Arial"/>
@@ -6931,7 +6850,7 @@
               <a:defRPr/>
             </a:pPr>
             <a:r>
-              <a:rPr kumimoji="0" lang="en-US" sz="2000" b="0" i="0" u="none" strike="sngStrike" kern="0" cap="none" spc="0" normalizeH="0" baseline="0" noProof="0" dirty="0">
+              <a:rPr kumimoji="0" lang="en-US" sz="2000" b="0" i="0" u="none" kern="0" cap="none" spc="0" normalizeH="0" baseline="0" noProof="0" dirty="0">
                 <a:ln>
                   <a:noFill/>
                 </a:ln>
@@ -6945,7 +6864,7 @@
               <a:t>The </a:t>
             </a:r>
             <a:r>
-              <a:rPr lang="en-US" sz="2000" strike="sngStrike" kern="0" dirty="0">
+              <a:rPr lang="en-US" sz="2000" kern="0" dirty="0">
                 <a:ea typeface="Arial"/>
                 <a:cs typeface="Arial"/>
                 <a:sym typeface="Arial"/>
@@ -6973,7 +6892,7 @@
               <a:defRPr/>
             </a:pPr>
             <a:r>
-              <a:rPr lang="en-US" sz="2000" strike="sngStrike" kern="0" dirty="0">
+              <a:rPr lang="en-US" sz="2000" kern="0" dirty="0">
                 <a:ea typeface="Arial"/>
                 <a:cs typeface="Arial"/>
                 <a:sym typeface="Arial"/>
@@ -7001,7 +6920,7 @@
               <a:defRPr/>
             </a:pPr>
             <a:r>
-              <a:rPr kumimoji="0" lang="en-US" sz="2000" b="0" i="0" u="none" strike="sngStrike" kern="0" cap="none" spc="0" normalizeH="0" baseline="0" noProof="0" dirty="0">
+              <a:rPr kumimoji="0" lang="en-US" sz="2000" b="0" i="0" u="none" kern="0" cap="none" spc="0" normalizeH="0" baseline="0" noProof="0" dirty="0">
                 <a:ln>
                   <a:noFill/>
                 </a:ln>
